--- a/A_Sandwich_SQL_Project PPT.pptx
+++ b/A_Sandwich_SQL_Project PPT.pptx
@@ -113,6 +113,11 @@
       </a:defRPr>
     </a:lvl9pPr>
   </p:defaultTextStyle>
+  <p:extLst>
+    <p:ext uri="{EFAFB233-063F-42B5-8137-9DF3F51BA10A}">
+      <p15:sldGuideLst xmlns:p15="http://schemas.microsoft.com/office/powerpoint/2012/main"/>
+    </p:ext>
+  </p:extLst>
 </p:presentation>
 </file>
 
@@ -7707,7 +7712,6 @@
               <a:rPr lang="en-US" dirty="0"/>
               <a:t>THE GREAT CHICKEN SANDWICH SHOWDOWN OF 2022</a:t>
             </a:r>
-            <a:endParaRPr lang="en-US" dirty="0"/>
           </a:p>
         </p:txBody>
       </p:sp>
@@ -8103,35 +8107,6 @@
           </a:p>
         </p:txBody>
       </p:sp>
-      <p:pic>
-        <p:nvPicPr>
-          <p:cNvPr id="4" name="Content Placeholder 3"/>
-          <p:cNvPicPr>
-            <a:picLocks noGrp="1" noChangeAspect="1"/>
-          </p:cNvPicPr>
-          <p:nvPr>
-            <p:ph idx="1"/>
-          </p:nvPr>
-        </p:nvPicPr>
-        <p:blipFill>
-          <a:blip r:embed="rId3">
-            <a:extLst>
-              <a:ext uri="{28A0092B-C50C-407E-A947-70E740481C1C}">
-                <a14:useLocalDpi xmlns:a14="http://schemas.microsoft.com/office/drawing/2010/main" val="0"/>
-              </a:ext>
-            </a:extLst>
-          </a:blip>
-          <a:stretch>
-            <a:fillRect/>
-          </a:stretch>
-        </p:blipFill>
-        <p:spPr>
-          <a:xfrm>
-            <a:off x="680321" y="2183828"/>
-            <a:ext cx="9613900" cy="1005089"/>
-          </a:xfrm>
-        </p:spPr>
-      </p:pic>
       <p:graphicFrame>
         <p:nvGraphicFramePr>
           <p:cNvPr id="5" name="Object 4"/>
@@ -8141,25 +8116,25 @@
           <p:nvPr>
             <p:extLst>
               <p:ext uri="{D42A27DB-BD31-4B8C-83A1-F6EECF244321}">
-                <p14:modId xmlns:p14="http://schemas.microsoft.com/office/powerpoint/2010/main" val="886271693"/>
+                <p14:modId xmlns:p14="http://schemas.microsoft.com/office/powerpoint/2010/main" val="3339962843"/>
               </p:ext>
             </p:extLst>
           </p:nvPr>
         </p:nvGraphicFramePr>
         <p:xfrm>
-          <a:off x="4359519" y="3344997"/>
+          <a:off x="4359519" y="3344996"/>
           <a:ext cx="5934663" cy="3301751"/>
         </p:xfrm>
         <a:graphic>
           <a:graphicData uri="http://schemas.openxmlformats.org/presentationml/2006/ole">
             <mc:AlternateContent xmlns:mc="http://schemas.openxmlformats.org/markup-compatibility/2006">
               <mc:Choice xmlns:v="urn:schemas-microsoft-com:vml" Requires="v">
-                <p:oleObj spid="_x0000_s1030" name="Image" r:id="rId4" imgW="6437880" imgH="3580920" progId="Photoshop.Image.16">
+                <p:oleObj spid="_x0000_s1031" name="Image" r:id="rId3" imgW="6437880" imgH="3580920" progId="Photoshop.Image.16">
                   <p:embed/>
                 </p:oleObj>
               </mc:Choice>
               <mc:Fallback>
-                <p:oleObj name="Image" r:id="rId4" imgW="6437880" imgH="3580920" progId="Photoshop.Image.16">
+                <p:oleObj name="Image" r:id="rId3" imgW="6437880" imgH="3580920" progId="Photoshop.Image.16">
                   <p:embed/>
                   <p:pic>
                     <p:nvPicPr>
@@ -8168,14 +8143,14 @@
                       <p:nvPr/>
                     </p:nvPicPr>
                     <p:blipFill>
-                      <a:blip r:embed="rId5"/>
+                      <a:blip r:embed="rId4"/>
                       <a:stretch>
                         <a:fillRect/>
                       </a:stretch>
                     </p:blipFill>
                     <p:spPr>
                       <a:xfrm>
-                        <a:off x="4359519" y="3344997"/>
+                        <a:off x="4359519" y="3344996"/>
                         <a:ext cx="5934663" cy="3301751"/>
                       </a:xfrm>
                       <a:prstGeom prst="rect">
@@ -8279,6 +8254,63 @@
           </a:graphicData>
         </a:graphic>
       </p:graphicFrame>
+      <p:graphicFrame>
+        <p:nvGraphicFramePr>
+          <p:cNvPr id="7" name="Object 6"/>
+          <p:cNvGraphicFramePr>
+            <a:graphicFrameLocks noChangeAspect="1"/>
+          </p:cNvGraphicFramePr>
+          <p:nvPr>
+            <p:extLst>
+              <p:ext uri="{D42A27DB-BD31-4B8C-83A1-F6EECF244321}">
+                <p14:modId xmlns:p14="http://schemas.microsoft.com/office/powerpoint/2010/main" val="4238366488"/>
+              </p:ext>
+            </p:extLst>
+          </p:nvPr>
+        </p:nvGraphicFramePr>
+        <p:xfrm>
+          <a:off x="420002" y="2095457"/>
+          <a:ext cx="11403012" cy="1181100"/>
+        </p:xfrm>
+        <a:graphic>
+          <a:graphicData uri="http://schemas.openxmlformats.org/presentationml/2006/ole">
+            <mc:AlternateContent xmlns:mc="http://schemas.openxmlformats.org/markup-compatibility/2006">
+              <mc:Choice xmlns:v="urn:schemas-microsoft-com:vml" Requires="v">
+                <p:oleObj spid="_x0000_s1032" name="Image" r:id="rId5" imgW="11403000" imgH="1180800" progId="Photoshop.Image.16">
+                  <p:embed/>
+                </p:oleObj>
+              </mc:Choice>
+              <mc:Fallback>
+                <p:oleObj name="Image" r:id="rId5" imgW="11403000" imgH="1180800" progId="Photoshop.Image.16">
+                  <p:embed/>
+                  <p:pic>
+                    <p:nvPicPr>
+                      <p:cNvPr id="0" name=""/>
+                      <p:cNvPicPr/>
+                      <p:nvPr/>
+                    </p:nvPicPr>
+                    <p:blipFill>
+                      <a:blip r:embed="rId6"/>
+                      <a:stretch>
+                        <a:fillRect/>
+                      </a:stretch>
+                    </p:blipFill>
+                    <p:spPr>
+                      <a:xfrm>
+                        <a:off x="420002" y="2095457"/>
+                        <a:ext cx="11403012" cy="1181100"/>
+                      </a:xfrm>
+                      <a:prstGeom prst="rect">
+                        <a:avLst/>
+                      </a:prstGeom>
+                    </p:spPr>
+                  </p:pic>
+                </p:oleObj>
+              </mc:Fallback>
+            </mc:AlternateContent>
+          </a:graphicData>
+        </a:graphic>
+      </p:graphicFrame>
     </p:spTree>
     <p:extLst>
       <p:ext uri="{BB962C8B-B14F-4D97-AF65-F5344CB8AC3E}">
@@ -8390,7 +8422,7 @@
           <a:graphicData uri="http://schemas.openxmlformats.org/presentationml/2006/ole">
             <mc:AlternateContent xmlns:mc="http://schemas.openxmlformats.org/markup-compatibility/2006">
               <mc:Choice xmlns:v="urn:schemas-microsoft-com:vml" Requires="v">
-                <p:oleObj spid="_x0000_s2052" name="Image" r:id="rId4" imgW="2539440" imgH="2120400" progId="Photoshop.Image.16">
+                <p:oleObj spid="_x0000_s2053" name="Image" r:id="rId4" imgW="2539440" imgH="2120400" progId="Photoshop.Image.16">
                   <p:embed/>
                 </p:oleObj>
               </mc:Choice>
@@ -8679,7 +8711,7 @@
           <a:graphicData uri="http://schemas.openxmlformats.org/presentationml/2006/ole">
             <mc:AlternateContent xmlns:mc="http://schemas.openxmlformats.org/markup-compatibility/2006">
               <mc:Choice xmlns:v="urn:schemas-microsoft-com:vml" Requires="v">
-                <p:oleObj spid="_x0000_s3077" name="Image" r:id="rId3" imgW="6958440" imgH="1891800" progId="Photoshop.Image.16">
+                <p:oleObj spid="_x0000_s3079" name="Image" r:id="rId3" imgW="6958440" imgH="1891800" progId="Photoshop.Image.16">
                   <p:embed/>
                 </p:oleObj>
               </mc:Choice>
@@ -8736,7 +8768,7 @@
           <a:graphicData uri="http://schemas.openxmlformats.org/presentationml/2006/ole">
             <mc:AlternateContent xmlns:mc="http://schemas.openxmlformats.org/markup-compatibility/2006">
               <mc:Choice xmlns:v="urn:schemas-microsoft-com:vml" Requires="v">
-                <p:oleObj spid="_x0000_s3078" name="Image" r:id="rId5" imgW="5574600" imgH="3529800" progId="Photoshop.Image.16">
+                <p:oleObj spid="_x0000_s3080" name="Image" r:id="rId5" imgW="5574600" imgH="3529800" progId="Photoshop.Image.16">
                   <p:embed/>
                 </p:oleObj>
               </mc:Choice>
@@ -8884,7 +8916,7 @@
           <a:graphicData uri="http://schemas.openxmlformats.org/presentationml/2006/ole">
             <mc:AlternateContent xmlns:mc="http://schemas.openxmlformats.org/markup-compatibility/2006">
               <mc:Choice xmlns:v="urn:schemas-microsoft-com:vml" Requires="v">
-                <p:oleObj spid="_x0000_s4100" name="Image" r:id="rId3" imgW="11745720" imgH="1739520" progId="Photoshop.Image.16">
+                <p:oleObj spid="_x0000_s4102" name="Image" r:id="rId3" imgW="11745720" imgH="1739520" progId="Photoshop.Image.16">
                   <p:embed/>
                 </p:oleObj>
               </mc:Choice>
@@ -8941,7 +8973,7 @@
           <a:graphicData uri="http://schemas.openxmlformats.org/presentationml/2006/ole">
             <mc:AlternateContent xmlns:mc="http://schemas.openxmlformats.org/markup-compatibility/2006">
               <mc:Choice xmlns:v="urn:schemas-microsoft-com:vml" Requires="v">
-                <p:oleObj spid="_x0000_s4101" name="Image" r:id="rId5" imgW="4838040" imgH="939600" progId="Photoshop.Image.16">
+                <p:oleObj spid="_x0000_s4103" name="Image" r:id="rId5" imgW="4838040" imgH="939600" progId="Photoshop.Image.16">
                   <p:embed/>
                 </p:oleObj>
               </mc:Choice>
@@ -9091,7 +9123,7 @@
           <a:graphicData uri="http://schemas.openxmlformats.org/presentationml/2006/ole">
             <mc:AlternateContent xmlns:mc="http://schemas.openxmlformats.org/markup-compatibility/2006">
               <mc:Choice xmlns:v="urn:schemas-microsoft-com:vml" Requires="v">
-                <p:oleObj spid="_x0000_s5124" name="Image" r:id="rId3" imgW="7059960" imgH="1917360" progId="Photoshop.Image.16">
+                <p:oleObj spid="_x0000_s5126" name="Image" r:id="rId3" imgW="7059960" imgH="1917360" progId="Photoshop.Image.16">
                   <p:embed/>
                 </p:oleObj>
               </mc:Choice>
@@ -9148,7 +9180,7 @@
           <a:graphicData uri="http://schemas.openxmlformats.org/presentationml/2006/ole">
             <mc:AlternateContent xmlns:mc="http://schemas.openxmlformats.org/markup-compatibility/2006">
               <mc:Choice xmlns:v="urn:schemas-microsoft-com:vml" Requires="v">
-                <p:oleObj spid="_x0000_s5125" name="Image" r:id="rId5" imgW="7022160" imgH="3567960" progId="Photoshop.Image.16">
+                <p:oleObj spid="_x0000_s5127" name="Image" r:id="rId5" imgW="7022160" imgH="3567960" progId="Photoshop.Image.16">
                   <p:embed/>
                 </p:oleObj>
               </mc:Choice>
@@ -9321,7 +9353,7 @@
           <a:graphicData uri="http://schemas.openxmlformats.org/presentationml/2006/ole">
             <mc:AlternateContent xmlns:mc="http://schemas.openxmlformats.org/markup-compatibility/2006">
               <mc:Choice xmlns:v="urn:schemas-microsoft-com:vml" Requires="v">
-                <p:oleObj spid="_x0000_s6148" name="Image" r:id="rId3" imgW="8393400" imgH="1879200" progId="Photoshop.Image.16">
+                <p:oleObj spid="_x0000_s6150" name="Image" r:id="rId3" imgW="8393400" imgH="1879200" progId="Photoshop.Image.16">
                   <p:embed/>
                 </p:oleObj>
               </mc:Choice>
@@ -9378,7 +9410,7 @@
           <a:graphicData uri="http://schemas.openxmlformats.org/presentationml/2006/ole">
             <mc:AlternateContent xmlns:mc="http://schemas.openxmlformats.org/markup-compatibility/2006">
               <mc:Choice xmlns:v="urn:schemas-microsoft-com:vml" Requires="v">
-                <p:oleObj spid="_x0000_s6149" name="Image" r:id="rId5" imgW="5053680" imgH="3822120" progId="Photoshop.Image.16">
+                <p:oleObj spid="_x0000_s6151" name="Image" r:id="rId5" imgW="5053680" imgH="3822120" progId="Photoshop.Image.16">
                   <p:embed/>
                 </p:oleObj>
               </mc:Choice>
